--- a/cdc_git_ws5_(2).pptx
+++ b/cdc_git_ws5_(2).pptx
@@ -5,7 +5,7 @@
     <p:sldMasterId id="2147483648" r:id="rId4"/>
   </p:sldMasterIdLst>
   <p:notesMasterIdLst>
-    <p:notesMasterId r:id="rId22"/>
+    <p:notesMasterId r:id="rId21"/>
   </p:notesMasterIdLst>
   <p:sldIdLst>
     <p:sldId id="256" r:id="rId5"/>
@@ -18,13 +18,12 @@
     <p:sldId id="319" r:id="rId12"/>
     <p:sldId id="325" r:id="rId13"/>
     <p:sldId id="315" r:id="rId14"/>
-    <p:sldId id="321" r:id="rId15"/>
-    <p:sldId id="322" r:id="rId16"/>
-    <p:sldId id="323" r:id="rId17"/>
-    <p:sldId id="320" r:id="rId18"/>
-    <p:sldId id="317" r:id="rId19"/>
-    <p:sldId id="318" r:id="rId20"/>
-    <p:sldId id="324" r:id="rId21"/>
+    <p:sldId id="320" r:id="rId15"/>
+    <p:sldId id="317" r:id="rId16"/>
+    <p:sldId id="318" r:id="rId17"/>
+    <p:sldId id="324" r:id="rId18"/>
+    <p:sldId id="326" r:id="rId19"/>
+    <p:sldId id="327" r:id="rId20"/>
   </p:sldIdLst>
   <p:sldSz cx="6858000" cy="5143500"/>
   <p:notesSz cx="6858000" cy="9144000"/>
@@ -125,7 +124,7 @@
   </p:defaultTextStyle>
   <p:extLst>
     <p:ext uri="{EFAFB233-063F-42B5-8137-9DF3F51BA10A}">
-      <p15:sldGuideLst xmlns:p15="http://schemas.microsoft.com/office/powerpoint/2012/main" xmlns="">
+      <p15:sldGuideLst xmlns:p15="http://schemas.microsoft.com/office/powerpoint/2012/main">
         <p15:guide id="1" orient="horz" pos="1620" userDrawn="1">
           <p15:clr>
             <a:srgbClr val="A4A3A4"/>
@@ -147,21 +146,21 @@
   <p:cmAuthor id="1" name="Thomas Rothe" initials="TR" lastIdx="1" clrIdx="0">
     <p:extLst>
       <p:ext uri="{19B8F6BF-5375-455C-9EA6-DF929625EA0E}">
-        <p15:presenceInfo xmlns:p15="http://schemas.microsoft.com/office/powerpoint/2012/main" xmlns="" userId="S-1-5-21-3090755164-1501800488-1772020393-12935" providerId="AD"/>
+        <p15:presenceInfo xmlns:p15="http://schemas.microsoft.com/office/powerpoint/2012/main" userId="S-1-5-21-3090755164-1501800488-1772020393-12935" providerId="AD"/>
       </p:ext>
     </p:extLst>
   </p:cmAuthor>
   <p:cmAuthor id="2" name="Thomas Rothe" initials="TR [2]" lastIdx="1" clrIdx="1">
     <p:extLst>
       <p:ext uri="{19B8F6BF-5375-455C-9EA6-DF929625EA0E}">
-        <p15:presenceInfo xmlns:p15="http://schemas.microsoft.com/office/powerpoint/2012/main" xmlns="" userId="Thomas Rothe" providerId="None"/>
+        <p15:presenceInfo xmlns:p15="http://schemas.microsoft.com/office/powerpoint/2012/main" userId="Thomas Rothe" providerId="None"/>
       </p:ext>
     </p:extLst>
   </p:cmAuthor>
   <p:cmAuthor id="3" name="Langit Da Silva Putra" initials="LDSP" lastIdx="1" clrIdx="2">
     <p:extLst>
       <p:ext uri="{19B8F6BF-5375-455C-9EA6-DF929625EA0E}">
-        <p15:presenceInfo xmlns:p15="http://schemas.microsoft.com/office/powerpoint/2012/main" xmlns="" userId="S-1-5-21-3090755164-1501800488-1772020393-11491" providerId="AD"/>
+        <p15:presenceInfo xmlns:p15="http://schemas.microsoft.com/office/powerpoint/2012/main" userId="S-1-5-21-3090755164-1501800488-1772020393-11491" providerId="AD"/>
       </p:ext>
     </p:extLst>
   </p:cmAuthor>
@@ -420,7 +419,7 @@
     </p:spTree>
     <p:extLst>
       <p:ext uri="{BB962C8B-B14F-4D97-AF65-F5344CB8AC3E}">
-        <p14:creationId xmlns:p14="http://schemas.microsoft.com/office/powerpoint/2010/main" xmlns="" val="523571795"/>
+        <p14:creationId xmlns:p14="http://schemas.microsoft.com/office/powerpoint/2010/main" val="523571795"/>
       </p:ext>
     </p:extLst>
   </p:cSld>
@@ -595,7 +594,7 @@
     </p:spTree>
     <p:extLst>
       <p:ext uri="{BB962C8B-B14F-4D97-AF65-F5344CB8AC3E}">
-        <p14:creationId xmlns:p14="http://schemas.microsoft.com/office/powerpoint/2010/main" xmlns="" val="865990022"/>
+        <p14:creationId xmlns:p14="http://schemas.microsoft.com/office/powerpoint/2010/main" val="865990022"/>
       </p:ext>
     </p:extLst>
   </p:cSld>
@@ -688,7 +687,7 @@
     </p:spTree>
     <p:extLst>
       <p:ext uri="{BB962C8B-B14F-4D97-AF65-F5344CB8AC3E}">
-        <p14:creationId xmlns:p14="http://schemas.microsoft.com/office/powerpoint/2010/main" xmlns="" val="3037603475"/>
+        <p14:creationId xmlns:p14="http://schemas.microsoft.com/office/powerpoint/2010/main" val="1055561007"/>
       </p:ext>
     </p:extLst>
   </p:cSld>
@@ -781,7 +780,7 @@
     </p:spTree>
     <p:extLst>
       <p:ext uri="{BB962C8B-B14F-4D97-AF65-F5344CB8AC3E}">
-        <p14:creationId xmlns:p14="http://schemas.microsoft.com/office/powerpoint/2010/main" xmlns="" val="2585026804"/>
+        <p14:creationId xmlns:p14="http://schemas.microsoft.com/office/powerpoint/2010/main" val="2826215859"/>
       </p:ext>
     </p:extLst>
   </p:cSld>
@@ -874,7 +873,7 @@
     </p:spTree>
     <p:extLst>
       <p:ext uri="{BB962C8B-B14F-4D97-AF65-F5344CB8AC3E}">
-        <p14:creationId xmlns:p14="http://schemas.microsoft.com/office/powerpoint/2010/main" xmlns="" val="1651819385"/>
+        <p14:creationId xmlns:p14="http://schemas.microsoft.com/office/powerpoint/2010/main" val="867880759"/>
       </p:ext>
     </p:extLst>
   </p:cSld>
@@ -967,100 +966,7 @@
     </p:spTree>
     <p:extLst>
       <p:ext uri="{BB962C8B-B14F-4D97-AF65-F5344CB8AC3E}">
-        <p14:creationId xmlns:p14="http://schemas.microsoft.com/office/powerpoint/2010/main" xmlns="" val="1055561007"/>
-      </p:ext>
-    </p:extLst>
-  </p:cSld>
-  <p:clrMapOvr>
-    <a:masterClrMapping/>
-  </p:clrMapOvr>
-</p:notes>
-</file>
-
-<file path=ppt/notesSlides/notesSlide14.xml><?xml version="1.0" encoding="utf-8"?>
-<p:notes xmlns:a="http://schemas.openxmlformats.org/drawingml/2006/main" xmlns:r="http://schemas.openxmlformats.org/officeDocument/2006/relationships" xmlns:p="http://schemas.openxmlformats.org/presentationml/2006/main">
-  <p:cSld>
-    <p:spTree>
-      <p:nvGrpSpPr>
-        <p:cNvPr id="1" name=""/>
-        <p:cNvGrpSpPr/>
-        <p:nvPr/>
-      </p:nvGrpSpPr>
-      <p:grpSpPr>
-        <a:xfrm>
-          <a:off x="0" y="0"/>
-          <a:ext cx="0" cy="0"/>
-          <a:chOff x="0" y="0"/>
-          <a:chExt cx="0" cy="0"/>
-        </a:xfrm>
-      </p:grpSpPr>
-      <p:sp>
-        <p:nvSpPr>
-          <p:cNvPr id="2" name="Slide Image Placeholder 1"/>
-          <p:cNvSpPr>
-            <a:spLocks noGrp="1" noRot="1" noChangeAspect="1"/>
-          </p:cNvSpPr>
-          <p:nvPr>
-            <p:ph type="sldImg"/>
-          </p:nvPr>
-        </p:nvSpPr>
-        <p:spPr/>
-      </p:sp>
-      <p:sp>
-        <p:nvSpPr>
-          <p:cNvPr id="3" name="Notes Placeholder 2"/>
-          <p:cNvSpPr>
-            <a:spLocks noGrp="1"/>
-          </p:cNvSpPr>
-          <p:nvPr>
-            <p:ph type="body" idx="1"/>
-          </p:nvPr>
-        </p:nvSpPr>
-        <p:spPr/>
-        <p:txBody>
-          <a:bodyPr/>
-          <a:lstStyle/>
-          <a:p>
-            <a:r>
-              <a:rPr lang="en-ID" dirty="0" smtClean="0"/>
-              <a:t>- Trainees</a:t>
-            </a:r>
-            <a:r>
-              <a:rPr lang="en-ID" baseline="0" dirty="0" smtClean="0"/>
-              <a:t> should have a dedicated branch (hopefully they have the same trainers)</a:t>
-            </a:r>
-            <a:endParaRPr lang="en-US" dirty="0"/>
-          </a:p>
-        </p:txBody>
-      </p:sp>
-      <p:sp>
-        <p:nvSpPr>
-          <p:cNvPr id="4" name="Slide Number Placeholder 3"/>
-          <p:cNvSpPr>
-            <a:spLocks noGrp="1"/>
-          </p:cNvSpPr>
-          <p:nvPr>
-            <p:ph type="sldNum" sz="quarter" idx="10"/>
-          </p:nvPr>
-        </p:nvSpPr>
-        <p:spPr/>
-        <p:txBody>
-          <a:bodyPr/>
-          <a:lstStyle/>
-          <a:p>
-            <a:fld id="{7959948B-77FA-4B75-B65F-C5051F11C89F}" type="slidenum">
-              <a:rPr lang="en-US" smtClean="0"/>
-              <a:pPr/>
-              <a:t>17</a:t>
-            </a:fld>
-            <a:endParaRPr lang="en-US"/>
-          </a:p>
-        </p:txBody>
-      </p:sp>
-    </p:spTree>
-    <p:extLst>
-      <p:ext uri="{BB962C8B-B14F-4D97-AF65-F5344CB8AC3E}">
-        <p14:creationId xmlns:p14="http://schemas.microsoft.com/office/powerpoint/2010/main" xmlns="" val="2826215859"/>
+        <p14:creationId xmlns:p14="http://schemas.microsoft.com/office/powerpoint/2010/main" val="4275384661"/>
       </p:ext>
     </p:extLst>
   </p:cSld>
@@ -1145,7 +1051,7 @@
     </p:spTree>
     <p:extLst>
       <p:ext uri="{BB962C8B-B14F-4D97-AF65-F5344CB8AC3E}">
-        <p14:creationId xmlns:p14="http://schemas.microsoft.com/office/powerpoint/2010/main" xmlns="" val="3515551909"/>
+        <p14:creationId xmlns:p14="http://schemas.microsoft.com/office/powerpoint/2010/main" val="3515551909"/>
       </p:ext>
     </p:extLst>
   </p:cSld>
@@ -1234,7 +1140,7 @@
     </p:spTree>
     <p:extLst>
       <p:ext uri="{BB962C8B-B14F-4D97-AF65-F5344CB8AC3E}">
-        <p14:creationId xmlns:p14="http://schemas.microsoft.com/office/powerpoint/2010/main" xmlns="" val="1323297392"/>
+        <p14:creationId xmlns:p14="http://schemas.microsoft.com/office/powerpoint/2010/main" val="1323297392"/>
       </p:ext>
     </p:extLst>
   </p:cSld>
@@ -1327,7 +1233,7 @@
     </p:spTree>
     <p:extLst>
       <p:ext uri="{BB962C8B-B14F-4D97-AF65-F5344CB8AC3E}">
-        <p14:creationId xmlns:p14="http://schemas.microsoft.com/office/powerpoint/2010/main" xmlns="" val="1961030046"/>
+        <p14:creationId xmlns:p14="http://schemas.microsoft.com/office/powerpoint/2010/main" val="1961030046"/>
       </p:ext>
     </p:extLst>
   </p:cSld>
@@ -1420,7 +1326,7 @@
     </p:spTree>
     <p:extLst>
       <p:ext uri="{BB962C8B-B14F-4D97-AF65-F5344CB8AC3E}">
-        <p14:creationId xmlns:p14="http://schemas.microsoft.com/office/powerpoint/2010/main" xmlns="" val="2812428627"/>
+        <p14:creationId xmlns:p14="http://schemas.microsoft.com/office/powerpoint/2010/main" val="2812428627"/>
       </p:ext>
     </p:extLst>
   </p:cSld>
@@ -1513,7 +1419,7 @@
     </p:spTree>
     <p:extLst>
       <p:ext uri="{BB962C8B-B14F-4D97-AF65-F5344CB8AC3E}">
-        <p14:creationId xmlns:p14="http://schemas.microsoft.com/office/powerpoint/2010/main" xmlns="" val="2458204456"/>
+        <p14:creationId xmlns:p14="http://schemas.microsoft.com/office/powerpoint/2010/main" val="2458204456"/>
       </p:ext>
     </p:extLst>
   </p:cSld>
@@ -1606,7 +1512,7 @@
     </p:spTree>
     <p:extLst>
       <p:ext uri="{BB962C8B-B14F-4D97-AF65-F5344CB8AC3E}">
-        <p14:creationId xmlns:p14="http://schemas.microsoft.com/office/powerpoint/2010/main" xmlns="" val="4109109959"/>
+        <p14:creationId xmlns:p14="http://schemas.microsoft.com/office/powerpoint/2010/main" val="4109109959"/>
       </p:ext>
     </p:extLst>
   </p:cSld>
@@ -1699,7 +1605,7 @@
     </p:spTree>
     <p:extLst>
       <p:ext uri="{BB962C8B-B14F-4D97-AF65-F5344CB8AC3E}">
-        <p14:creationId xmlns:p14="http://schemas.microsoft.com/office/powerpoint/2010/main" xmlns="" val="1909212121"/>
+        <p14:creationId xmlns:p14="http://schemas.microsoft.com/office/powerpoint/2010/main" val="2585026804"/>
       </p:ext>
     </p:extLst>
   </p:cSld>
@@ -1792,7 +1698,7 @@
     </p:spTree>
     <p:extLst>
       <p:ext uri="{BB962C8B-B14F-4D97-AF65-F5344CB8AC3E}">
-        <p14:creationId xmlns:p14="http://schemas.microsoft.com/office/powerpoint/2010/main" xmlns="" val="3328906719"/>
+        <p14:creationId xmlns:p14="http://schemas.microsoft.com/office/powerpoint/2010/main" val="1651819385"/>
       </p:ext>
     </p:extLst>
   </p:cSld>
@@ -1831,7 +1737,7 @@
           <a:blip r:embed="rId2" cstate="print">
             <a:extLst>
               <a:ext uri="{28A0092B-C50C-407E-A947-70E740481C1C}">
-                <a14:useLocalDpi xmlns:a14="http://schemas.microsoft.com/office/drawing/2010/main" xmlns="" val="0"/>
+                <a14:useLocalDpi xmlns:a14="http://schemas.microsoft.com/office/drawing/2010/main" val="0"/>
               </a:ext>
             </a:extLst>
           </a:blip>
@@ -2111,7 +2017,7 @@
           <a:blip r:embed="rId2" cstate="print">
             <a:extLst>
               <a:ext uri="{28A0092B-C50C-407E-A947-70E740481C1C}">
-                <a14:useLocalDpi xmlns:a14="http://schemas.microsoft.com/office/drawing/2010/main" xmlns="" val="0"/>
+                <a14:useLocalDpi xmlns:a14="http://schemas.microsoft.com/office/drawing/2010/main" val="0"/>
               </a:ext>
             </a:extLst>
           </a:blip>
@@ -2378,7 +2284,7 @@
           <a:blip r:embed="rId2" cstate="print">
             <a:extLst>
               <a:ext uri="{28A0092B-C50C-407E-A947-70E740481C1C}">
-                <a14:useLocalDpi xmlns:a14="http://schemas.microsoft.com/office/drawing/2010/main" xmlns="" val="0"/>
+                <a14:useLocalDpi xmlns:a14="http://schemas.microsoft.com/office/drawing/2010/main" val="0"/>
               </a:ext>
             </a:extLst>
           </a:blip>
@@ -2583,7 +2489,7 @@
     </p:spTree>
     <p:extLst>
       <p:ext uri="{BB962C8B-B14F-4D97-AF65-F5344CB8AC3E}">
-        <p14:creationId xmlns:p14="http://schemas.microsoft.com/office/powerpoint/2010/main" xmlns="" val="2251564363"/>
+        <p14:creationId xmlns:p14="http://schemas.microsoft.com/office/powerpoint/2010/main" val="2251564363"/>
       </p:ext>
     </p:extLst>
   </p:cSld>
@@ -2622,7 +2528,7 @@
           <a:blip r:embed="rId2" cstate="print">
             <a:extLst>
               <a:ext uri="{28A0092B-C50C-407E-A947-70E740481C1C}">
-                <a14:useLocalDpi xmlns:a14="http://schemas.microsoft.com/office/drawing/2010/main" xmlns="" val="0"/>
+                <a14:useLocalDpi xmlns:a14="http://schemas.microsoft.com/office/drawing/2010/main" val="0"/>
               </a:ext>
             </a:extLst>
           </a:blip>
@@ -2928,7 +2834,7 @@
           <a:blip r:embed="rId2" cstate="print">
             <a:extLst>
               <a:ext uri="{28A0092B-C50C-407E-A947-70E740481C1C}">
-                <a14:useLocalDpi xmlns:a14="http://schemas.microsoft.com/office/drawing/2010/main" xmlns="" val="0"/>
+                <a14:useLocalDpi xmlns:a14="http://schemas.microsoft.com/office/drawing/2010/main" val="0"/>
               </a:ext>
             </a:extLst>
           </a:blip>
@@ -3875,7 +3781,7 @@
           <a:blip r:embed="rId3" cstate="print">
             <a:extLst>
               <a:ext uri="{28A0092B-C50C-407E-A947-70E740481C1C}">
-                <a14:useLocalDpi xmlns:a14="http://schemas.microsoft.com/office/drawing/2010/main" xmlns="" val="0"/>
+                <a14:useLocalDpi xmlns:a14="http://schemas.microsoft.com/office/drawing/2010/main" val="0"/>
               </a:ext>
             </a:extLst>
           </a:blip>
@@ -3905,7 +3811,7 @@
           <a:blip r:embed="rId4" cstate="print">
             <a:extLst>
               <a:ext uri="{28A0092B-C50C-407E-A947-70E740481C1C}">
-                <a14:useLocalDpi xmlns:a14="http://schemas.microsoft.com/office/drawing/2010/main" xmlns="" val="0"/>
+                <a14:useLocalDpi xmlns:a14="http://schemas.microsoft.com/office/drawing/2010/main" val="0"/>
               </a:ext>
             </a:extLst>
           </a:blip>
@@ -3928,11 +3834,11 @@
   <p:clrMapOvr>
     <a:masterClrMapping/>
   </p:clrMapOvr>
-  <mc:AlternateContent xmlns:mc="http://schemas.openxmlformats.org/markup-compatibility/2006">
-    <mc:Choice xmlns:p14="http://schemas.microsoft.com/office/powerpoint/2010/main" xmlns="" Requires="p14">
+  <mc:AlternateContent xmlns:mc="http://schemas.openxmlformats.org/markup-compatibility/2006" xmlns:p14="http://schemas.microsoft.com/office/powerpoint/2010/main">
+    <mc:Choice Requires="p14">
       <p:transition p14:dur="250" advClick="0" advTm="20000"/>
     </mc:Choice>
-    <mc:Fallback>
+    <mc:Fallback xmlns="">
       <p:transition advClick="0" advTm="20000"/>
     </mc:Fallback>
   </mc:AlternateContent>
@@ -3972,7 +3878,7 @@
         <p:spPr>
           <a:xfrm>
             <a:off x="188640" y="627534"/>
-            <a:ext cx="6192688" cy="3416320"/>
+            <a:ext cx="6192688" cy="2031325"/>
           </a:xfrm>
           <a:prstGeom prst="rect">
             <a:avLst/>
@@ -4027,37 +3933,6 @@
               </a:rPr>
               <a:t>github.com/rfajarachmad/sample-html.git</a:t>
             </a:r>
-            <a:endParaRPr lang="en-ID" dirty="0" smtClean="0"/>
-          </a:p>
-          <a:p>
-            <a:pPr lvl="1"/>
-            <a:endParaRPr lang="en-ID" dirty="0" smtClean="0"/>
-          </a:p>
-          <a:p>
-            <a:pPr lvl="1"/>
-            <a:r>
-              <a:rPr lang="en-ID" dirty="0" smtClean="0"/>
-              <a:t>Download deployment group template</a:t>
-            </a:r>
-          </a:p>
-          <a:p>
-            <a:pPr lvl="1"/>
-            <a:r>
-              <a:rPr lang="en-ID" dirty="0">
-                <a:hlinkClick r:id="rId4"/>
-              </a:rPr>
-              <a:t>https://</a:t>
-            </a:r>
-            <a:r>
-              <a:rPr lang="en-ID" dirty="0" smtClean="0">
-                <a:hlinkClick r:id="rId4"/>
-              </a:rPr>
-              <a:t>github.com/rfajarachmad/cdc-aws/blob/master/cf-deployment-group.yml</a:t>
-            </a:r>
-            <a:endParaRPr lang="en-ID" dirty="0" smtClean="0"/>
-          </a:p>
-          <a:p>
-            <a:pPr lvl="1"/>
             <a:endParaRPr lang="en-ID" dirty="0" smtClean="0"/>
           </a:p>
           <a:p>
@@ -4115,7 +3990,7 @@
     </p:spTree>
     <p:extLst>
       <p:ext uri="{BB962C8B-B14F-4D97-AF65-F5344CB8AC3E}">
-        <p14:creationId xmlns:p14="http://schemas.microsoft.com/office/powerpoint/2010/main" xmlns="" val="4025682356"/>
+        <p14:creationId xmlns:p14="http://schemas.microsoft.com/office/powerpoint/2010/main" val="4025682356"/>
       </p:ext>
     </p:extLst>
   </p:cSld>
@@ -4158,7 +4033,7 @@
         <p:spPr>
           <a:xfrm>
             <a:off x="188640" y="627534"/>
-            <a:ext cx="6192688" cy="923330"/>
+            <a:ext cx="6192688" cy="2585323"/>
           </a:xfrm>
           <a:prstGeom prst="rect">
             <a:avLst/>
@@ -4171,22 +4046,59 @@
           </a:bodyPr>
           <a:lstStyle/>
           <a:p>
+            <a:endParaRPr lang="en-ID" dirty="0"/>
+          </a:p>
+          <a:p>
             <a:pPr marL="342900" indent="-342900">
               <a:buFont typeface="+mj-lt"/>
               <a:buAutoNum type="arabicPeriod" startAt="2"/>
             </a:pPr>
             <a:r>
               <a:rPr lang="en-ID" dirty="0" smtClean="0"/>
-              <a:t>Create Deployment Group via </a:t>
+              <a:t>Modify </a:t>
             </a:r>
             <a:r>
               <a:rPr lang="en-ID" dirty="0" err="1" smtClean="0"/>
-              <a:t>CloudFormation</a:t>
-            </a:r>
+              <a:t>Jenkins.groovy</a:t>
+            </a:r>
+            <a:r>
+              <a:rPr lang="en-ID" dirty="0" smtClean="0"/>
+              <a:t> file, application name &amp; deployment group name</a:t>
+            </a:r>
+          </a:p>
+          <a:p>
+            <a:pPr marL="342900" indent="-342900">
+              <a:buFont typeface="+mj-lt"/>
+              <a:buAutoNum type="arabicPeriod" startAt="2"/>
+            </a:pPr>
+            <a:endParaRPr lang="en-ID" dirty="0"/>
+          </a:p>
+          <a:p>
+            <a:pPr marL="342900" indent="-342900">
+              <a:buFont typeface="+mj-lt"/>
+              <a:buAutoNum type="arabicPeriod" startAt="2"/>
+            </a:pPr>
             <a:endParaRPr lang="en-ID" dirty="0" smtClean="0"/>
           </a:p>
           <a:p>
             <a:endParaRPr lang="en-ID" dirty="0" smtClean="0"/>
+          </a:p>
+          <a:p>
+            <a:pPr marL="342900" indent="-342900">
+              <a:buFont typeface="+mj-lt"/>
+              <a:buAutoNum type="arabicPeriod" startAt="3"/>
+            </a:pPr>
+            <a:endParaRPr lang="en-ID" dirty="0"/>
+          </a:p>
+          <a:p>
+            <a:pPr marL="342900" indent="-342900">
+              <a:buFont typeface="+mj-lt"/>
+              <a:buAutoNum type="arabicPeriod" startAt="3"/>
+            </a:pPr>
+            <a:r>
+              <a:rPr lang="en-ID" dirty="0" smtClean="0"/>
+              <a:t>Commit and Push your changes</a:t>
+            </a:r>
           </a:p>
           <a:p>
             <a:endParaRPr lang="en-US" dirty="0"/>
@@ -4235,70 +4147,41 @@
       </p:sp>
       <p:pic>
         <p:nvPicPr>
-          <p:cNvPr id="9" name="Picture 8"/>
+          <p:cNvPr id="2050" name="Picture 2"/>
           <p:cNvPicPr>
-            <a:picLocks noChangeAspect="1"/>
+            <a:picLocks noChangeAspect="1" noChangeArrowheads="1"/>
           </p:cNvPicPr>
           <p:nvPr/>
         </p:nvPicPr>
         <p:blipFill>
           <a:blip r:embed="rId3"/>
+          <a:srcRect/>
           <a:stretch>
             <a:fillRect/>
           </a:stretch>
         </p:blipFill>
-        <p:spPr>
-          <a:xfrm>
-            <a:off x="620688" y="1203598"/>
-            <a:ext cx="4394405" cy="1665545"/>
-          </a:xfrm>
-          <a:prstGeom prst="rect">
-            <a:avLst/>
-          </a:prstGeom>
-        </p:spPr>
-      </p:pic>
-      <p:sp>
-        <p:nvSpPr>
-          <p:cNvPr id="3" name="TextBox 2"/>
-          <p:cNvSpPr txBox="1"/>
-          <p:nvPr/>
-        </p:nvSpPr>
-        <p:spPr>
-          <a:xfrm>
-            <a:off x="830326" y="3003798"/>
-            <a:ext cx="3975127" cy="369332"/>
+        <p:spPr bwMode="auto">
+          <a:xfrm>
+            <a:off x="332656" y="1505857"/>
+            <a:ext cx="3514725" cy="828675"/>
           </a:xfrm>
           <a:prstGeom prst="rect">
             <a:avLst/>
           </a:prstGeom>
           <a:noFill/>
-        </p:spPr>
-        <p:txBody>
-          <a:bodyPr wrap="none" rtlCol="0">
-            <a:spAutoFit/>
-          </a:bodyPr>
-          <a:lstStyle/>
-          <a:p>
-            <a:r>
-              <a:rPr lang="en-US" dirty="0" smtClean="0"/>
-              <a:t>Open </a:t>
-            </a:r>
-            <a:r>
-              <a:rPr lang="en-US" dirty="0" err="1" smtClean="0"/>
-              <a:t>cloudFormation</a:t>
-            </a:r>
-            <a:r>
-              <a:rPr lang="en-US" dirty="0" smtClean="0"/>
-              <a:t> and create a stack</a:t>
-            </a:r>
-            <a:endParaRPr lang="en-US" dirty="0"/>
-          </a:p>
-        </p:txBody>
-      </p:sp>
+          <a:ln w="9525">
+            <a:noFill/>
+            <a:miter lim="800000"/>
+            <a:headEnd/>
+            <a:tailEnd/>
+          </a:ln>
+          <a:effectLst/>
+        </p:spPr>
+      </p:pic>
     </p:spTree>
     <p:extLst>
       <p:ext uri="{BB962C8B-B14F-4D97-AF65-F5344CB8AC3E}">
-        <p14:creationId xmlns:p14="http://schemas.microsoft.com/office/powerpoint/2010/main" xmlns="" val="150870128"/>
+        <p14:creationId xmlns:p14="http://schemas.microsoft.com/office/powerpoint/2010/main" val="2461626464"/>
       </p:ext>
     </p:extLst>
   </p:cSld>
@@ -4341,7 +4224,7 @@
         <p:spPr>
           <a:xfrm>
             <a:off x="188640" y="627534"/>
-            <a:ext cx="6192688" cy="923330"/>
+            <a:ext cx="6192688" cy="646331"/>
           </a:xfrm>
           <a:prstGeom prst="rect">
             <a:avLst/>
@@ -4356,22 +4239,19 @@
           <a:p>
             <a:pPr marL="342900" indent="-342900">
               <a:buFont typeface="+mj-lt"/>
-              <a:buAutoNum type="arabicPeriod" startAt="2"/>
+              <a:buAutoNum type="arabicPeriod" startAt="4"/>
             </a:pPr>
             <a:r>
-              <a:rPr lang="en-ID" dirty="0" smtClean="0"/>
-              <a:t>Create Deployment Group via </a:t>
-            </a:r>
-            <a:r>
-              <a:rPr lang="en-ID" dirty="0" err="1" smtClean="0"/>
-              <a:t>CloudFormation</a:t>
-            </a:r>
-            <a:endParaRPr lang="en-ID" dirty="0" smtClean="0"/>
-          </a:p>
-          <a:p>
-            <a:endParaRPr lang="en-ID" dirty="0" smtClean="0"/>
-          </a:p>
-          <a:p>
+              <a:rPr lang="en-US" dirty="0" smtClean="0"/>
+              <a:t>Create a new Jenkins Pipeline</a:t>
+            </a:r>
+            <a:endParaRPr lang="en-US" dirty="0"/>
+          </a:p>
+          <a:p>
+            <a:pPr marL="342900" indent="-342900">
+              <a:buFont typeface="+mj-lt"/>
+              <a:buAutoNum type="arabicPeriod" startAt="4"/>
+            </a:pPr>
             <a:endParaRPr lang="en-US" dirty="0"/>
           </a:p>
         </p:txBody>
@@ -4413,60 +4293,6 @@
               </a:solidFill>
               <a:latin typeface="Bookman Old Style" panose="02050604050505020204" pitchFamily="18" charset="0"/>
             </a:endParaRPr>
-          </a:p>
-        </p:txBody>
-      </p:sp>
-      <p:sp>
-        <p:nvSpPr>
-          <p:cNvPr id="3" name="TextBox 2"/>
-          <p:cNvSpPr txBox="1"/>
-          <p:nvPr/>
-        </p:nvSpPr>
-        <p:spPr>
-          <a:xfrm>
-            <a:off x="908721" y="3610978"/>
-            <a:ext cx="5040560" cy="646331"/>
-          </a:xfrm>
-          <a:prstGeom prst="rect">
-            <a:avLst/>
-          </a:prstGeom>
-          <a:noFill/>
-        </p:spPr>
-        <p:txBody>
-          <a:bodyPr wrap="square" rtlCol="0">
-            <a:spAutoFit/>
-          </a:bodyPr>
-          <a:lstStyle/>
-          <a:p>
-            <a:r>
-              <a:rPr lang="en-US" dirty="0" smtClean="0"/>
-              <a:t>Upload the </a:t>
-            </a:r>
-            <a:r>
-              <a:rPr lang="en-US" dirty="0" err="1" smtClean="0"/>
-              <a:t>cloudformation</a:t>
-            </a:r>
-            <a:r>
-              <a:rPr lang="en-US" dirty="0" smtClean="0"/>
-              <a:t> template (</a:t>
-            </a:r>
-            <a:r>
-              <a:rPr lang="en-US" dirty="0" err="1" smtClean="0"/>
-              <a:t>cf</a:t>
-            </a:r>
-            <a:r>
-              <a:rPr lang="en-US" dirty="0" smtClean="0"/>
-              <a:t>-deployment-</a:t>
-            </a:r>
-            <a:r>
-              <a:rPr lang="en-US" dirty="0" err="1" smtClean="0"/>
-              <a:t>group.yml</a:t>
-            </a:r>
-            <a:r>
-              <a:rPr lang="en-US" dirty="0" smtClean="0"/>
-              <a:t>)</a:t>
-            </a:r>
-            <a:endParaRPr lang="en-US" dirty="0"/>
           </a:p>
         </p:txBody>
       </p:sp>
@@ -4486,8 +4312,8 @@
         </p:blipFill>
         <p:spPr>
           <a:xfrm>
-            <a:off x="620688" y="1089199"/>
-            <a:ext cx="5010408" cy="2429447"/>
+            <a:off x="559507" y="1059582"/>
+            <a:ext cx="5450954" cy="3576470"/>
           </a:xfrm>
           <a:prstGeom prst="rect">
             <a:avLst/>
@@ -4497,7 +4323,7 @@
     </p:spTree>
     <p:extLst>
       <p:ext uri="{BB962C8B-B14F-4D97-AF65-F5344CB8AC3E}">
-        <p14:creationId xmlns:p14="http://schemas.microsoft.com/office/powerpoint/2010/main" xmlns="" val="625330140"/>
+        <p14:creationId xmlns:p14="http://schemas.microsoft.com/office/powerpoint/2010/main" val="3233149560"/>
       </p:ext>
     </p:extLst>
   </p:cSld>
@@ -4555,22 +4381,33 @@
           <a:p>
             <a:pPr marL="342900" indent="-342900">
               <a:buFont typeface="+mj-lt"/>
-              <a:buAutoNum type="arabicPeriod" startAt="2"/>
+              <a:buAutoNum type="arabicPeriod" startAt="5"/>
             </a:pPr>
             <a:r>
-              <a:rPr lang="en-ID" dirty="0" smtClean="0"/>
-              <a:t>Create Deployment Group via </a:t>
-            </a:r>
-            <a:r>
-              <a:rPr lang="en-ID" dirty="0" err="1" smtClean="0"/>
-              <a:t>CloudFormation</a:t>
-            </a:r>
-            <a:endParaRPr lang="en-ID" dirty="0" smtClean="0"/>
-          </a:p>
-          <a:p>
-            <a:endParaRPr lang="en-ID" dirty="0" smtClean="0"/>
-          </a:p>
-          <a:p>
+              <a:rPr lang="en-US" dirty="0" smtClean="0"/>
+              <a:t>Verify your application</a:t>
+            </a:r>
+          </a:p>
+          <a:p>
+            <a:r>
+              <a:rPr lang="en-US" dirty="0"/>
+              <a:t>	</a:t>
+            </a:r>
+            <a:r>
+              <a:rPr lang="en-US" dirty="0" smtClean="0"/>
+              <a:t>http://</a:t>
+            </a:r>
+            <a:r>
+              <a:rPr lang="en-US" dirty="0" smtClean="0"/>
+              <a:t>your-ip-address/app</a:t>
+            </a:r>
+            <a:endParaRPr lang="en-US" dirty="0"/>
+          </a:p>
+          <a:p>
+            <a:pPr marL="342900" indent="-342900">
+              <a:buFont typeface="+mj-lt"/>
+              <a:buAutoNum type="arabicPeriod" startAt="5"/>
+            </a:pPr>
             <a:endParaRPr lang="en-US" dirty="0"/>
           </a:p>
         </p:txBody>
@@ -4615,77 +4452,34 @@
           </a:p>
         </p:txBody>
       </p:sp>
-      <p:sp>
-        <p:nvSpPr>
-          <p:cNvPr id="3" name="TextBox 2"/>
-          <p:cNvSpPr txBox="1"/>
-          <p:nvPr/>
-        </p:nvSpPr>
-        <p:spPr>
-          <a:xfrm>
-            <a:off x="764704" y="3939902"/>
-            <a:ext cx="5040560" cy="646331"/>
-          </a:xfrm>
-          <a:prstGeom prst="rect">
-            <a:avLst/>
-          </a:prstGeom>
-          <a:noFill/>
-        </p:spPr>
-        <p:txBody>
-          <a:bodyPr wrap="square" rtlCol="0">
-            <a:spAutoFit/>
-          </a:bodyPr>
-          <a:lstStyle/>
-          <a:p>
-            <a:r>
-              <a:rPr lang="en-US" dirty="0" smtClean="0"/>
-              <a:t>Specify stack name, </a:t>
-            </a:r>
-            <a:r>
-              <a:rPr lang="en-US" dirty="0" smtClean="0"/>
-              <a:t>Application name and Deployment group name.</a:t>
-            </a:r>
-            <a:endParaRPr lang="en-US" dirty="0"/>
-          </a:p>
-        </p:txBody>
-      </p:sp>
       <p:pic>
         <p:nvPicPr>
-          <p:cNvPr id="1026" name="Picture 2"/>
+          <p:cNvPr id="2" name="Picture 1"/>
           <p:cNvPicPr>
-            <a:picLocks noChangeAspect="1" noChangeArrowheads="1"/>
+            <a:picLocks noChangeAspect="1"/>
           </p:cNvPicPr>
           <p:nvPr/>
         </p:nvPicPr>
         <p:blipFill>
           <a:blip r:embed="rId3"/>
-          <a:srcRect/>
           <a:stretch>
             <a:fillRect/>
           </a:stretch>
         </p:blipFill>
-        <p:spPr bwMode="auto">
-          <a:xfrm>
-            <a:off x="685800" y="1200150"/>
-            <a:ext cx="4743450" cy="2572962"/>
+        <p:spPr>
+          <a:xfrm>
+            <a:off x="609600" y="1521654"/>
+            <a:ext cx="4476750" cy="2667000"/>
           </a:xfrm>
           <a:prstGeom prst="rect">
             <a:avLst/>
           </a:prstGeom>
-          <a:noFill/>
-          <a:ln w="9525">
-            <a:noFill/>
-            <a:miter lim="800000"/>
-            <a:headEnd/>
-            <a:tailEnd/>
-          </a:ln>
-          <a:effectLst/>
         </p:spPr>
       </p:pic>
     </p:spTree>
     <p:extLst>
       <p:ext uri="{BB962C8B-B14F-4D97-AF65-F5344CB8AC3E}">
-        <p14:creationId xmlns:p14="http://schemas.microsoft.com/office/powerpoint/2010/main" xmlns="" val="3498731790"/>
+        <p14:creationId xmlns:p14="http://schemas.microsoft.com/office/powerpoint/2010/main" val="1051775509"/>
       </p:ext>
     </p:extLst>
   </p:cSld>
@@ -4728,7 +4522,7 @@
         <p:spPr>
           <a:xfrm>
             <a:off x="188640" y="627534"/>
-            <a:ext cx="6192688" cy="4247317"/>
+            <a:ext cx="6192688" cy="923330"/>
           </a:xfrm>
           <a:prstGeom prst="rect">
             <a:avLst/>
@@ -4743,137 +4537,24 @@
           <a:p>
             <a:pPr marL="342900" indent="-342900">
               <a:buFont typeface="+mj-lt"/>
-              <a:buAutoNum type="arabicPeriod" startAt="3"/>
+              <a:buAutoNum type="arabicPeriod" startAt="6"/>
             </a:pPr>
             <a:r>
-              <a:rPr lang="en-ID" dirty="0" smtClean="0"/>
-              <a:t>Modify </a:t>
-            </a:r>
-            <a:r>
-              <a:rPr lang="en-ID" dirty="0" err="1" smtClean="0"/>
-              <a:t>appspec.yml</a:t>
-            </a:r>
-            <a:r>
-              <a:rPr lang="en-ID" dirty="0" smtClean="0"/>
-              <a:t> file</a:t>
-            </a:r>
-          </a:p>
-          <a:p>
-            <a:pPr lvl="1"/>
-            <a:endParaRPr lang="en-ID" dirty="0"/>
-          </a:p>
-          <a:p>
-            <a:pPr lvl="1"/>
-            <a:endParaRPr lang="en-ID" dirty="0" smtClean="0"/>
-          </a:p>
-          <a:p>
-            <a:pPr lvl="1"/>
-            <a:endParaRPr lang="en-ID" dirty="0"/>
-          </a:p>
-          <a:p>
-            <a:pPr lvl="1"/>
-            <a:r>
-              <a:rPr lang="en-ID" dirty="0" err="1" smtClean="0"/>
-              <a:t>e.g</a:t>
-            </a:r>
-            <a:r>
-              <a:rPr lang="en-ID" dirty="0" smtClean="0"/>
-              <a:t>: /opt/</a:t>
-            </a:r>
-            <a:r>
-              <a:rPr lang="en-ID" dirty="0" err="1" smtClean="0"/>
-              <a:t>bitnami</a:t>
-            </a:r>
-            <a:r>
-              <a:rPr lang="en-ID" dirty="0" smtClean="0"/>
-              <a:t>/apache2/</a:t>
-            </a:r>
-            <a:r>
-              <a:rPr lang="en-ID" dirty="0" err="1" smtClean="0"/>
-              <a:t>htdocs</a:t>
-            </a:r>
-            <a:r>
-              <a:rPr lang="en-ID" dirty="0" smtClean="0"/>
-              <a:t>/</a:t>
-            </a:r>
-            <a:r>
-              <a:rPr lang="en-ID" dirty="0" err="1" smtClean="0"/>
-              <a:t>fajar</a:t>
-            </a:r>
-            <a:endParaRPr lang="en-ID" dirty="0" smtClean="0"/>
-          </a:p>
-          <a:p>
-            <a:endParaRPr lang="en-ID" dirty="0"/>
+              <a:rPr lang="en-US" dirty="0" smtClean="0"/>
+              <a:t>Delete cloud formation stack</a:t>
+            </a:r>
+          </a:p>
+          <a:p>
+            <a:r>
+              <a:rPr lang="en-US" dirty="0"/>
+              <a:t>	</a:t>
+            </a:r>
           </a:p>
           <a:p>
             <a:pPr marL="342900" indent="-342900">
               <a:buFont typeface="+mj-lt"/>
-              <a:buAutoNum type="arabicPeriod" startAt="4"/>
+              <a:buAutoNum type="arabicPeriod" startAt="5"/>
             </a:pPr>
-            <a:r>
-              <a:rPr lang="en-ID" dirty="0" smtClean="0"/>
-              <a:t>Modify </a:t>
-            </a:r>
-            <a:r>
-              <a:rPr lang="en-ID" dirty="0" err="1" smtClean="0"/>
-              <a:t>Jenkins.groovy</a:t>
-            </a:r>
-            <a:r>
-              <a:rPr lang="en-ID" dirty="0" smtClean="0"/>
-              <a:t> file, </a:t>
-            </a:r>
-            <a:r>
-              <a:rPr lang="en-ID" dirty="0" smtClean="0"/>
-              <a:t>application name &amp; deployment group name</a:t>
-            </a:r>
-            <a:endParaRPr lang="en-ID" dirty="0" smtClean="0"/>
-          </a:p>
-          <a:p>
-            <a:pPr marL="342900" indent="-342900">
-              <a:buFont typeface="+mj-lt"/>
-              <a:buAutoNum type="arabicPeriod" startAt="4"/>
-            </a:pPr>
-            <a:endParaRPr lang="en-ID" dirty="0"/>
-          </a:p>
-          <a:p>
-            <a:pPr marL="342900" indent="-342900">
-              <a:buFont typeface="+mj-lt"/>
-              <a:buAutoNum type="arabicPeriod" startAt="4"/>
-            </a:pPr>
-            <a:endParaRPr lang="en-ID" dirty="0" smtClean="0"/>
-          </a:p>
-          <a:p>
-            <a:pPr marL="342900" indent="-342900">
-              <a:buFont typeface="+mj-lt"/>
-              <a:buAutoNum type="arabicPeriod" startAt="4"/>
-            </a:pPr>
-            <a:endParaRPr lang="en-ID" dirty="0" smtClean="0"/>
-          </a:p>
-          <a:p>
-            <a:pPr marL="342900" indent="-342900">
-              <a:buFont typeface="+mj-lt"/>
-              <a:buAutoNum type="arabicPeriod" startAt="4"/>
-            </a:pPr>
-            <a:endParaRPr lang="en-ID" dirty="0" smtClean="0"/>
-          </a:p>
-          <a:p>
-            <a:pPr marL="342900" indent="-342900">
-              <a:buFont typeface="+mj-lt"/>
-              <a:buAutoNum type="arabicPeriod" startAt="4"/>
-            </a:pPr>
-            <a:endParaRPr lang="en-ID" dirty="0"/>
-          </a:p>
-          <a:p>
-            <a:pPr marL="342900" indent="-342900">
-              <a:buFont typeface="+mj-lt"/>
-              <a:buAutoNum type="arabicPeriod" startAt="4"/>
-            </a:pPr>
-            <a:r>
-              <a:rPr lang="en-ID" dirty="0" smtClean="0"/>
-              <a:t>Commit and Push your changes</a:t>
-            </a:r>
-          </a:p>
-          <a:p>
             <a:endParaRPr lang="en-US" dirty="0"/>
           </a:p>
         </p:txBody>
@@ -4920,65 +4601,31 @@
       </p:sp>
       <p:pic>
         <p:nvPicPr>
-          <p:cNvPr id="5" name="Picture 4"/>
+          <p:cNvPr id="2" name="Picture 1"/>
           <p:cNvPicPr>
             <a:picLocks noChangeAspect="1"/>
           </p:cNvPicPr>
           <p:nvPr/>
         </p:nvPicPr>
-        <p:blipFill>
+        <p:blipFill rotWithShape="1">
           <a:blip r:embed="rId3"/>
-          <a:stretch>
-            <a:fillRect/>
-          </a:stretch>
+          <a:srcRect t="7004" r="65408" b="56038"/>
+          <a:stretch/>
         </p:blipFill>
         <p:spPr>
           <a:xfrm>
-            <a:off x="571552" y="963707"/>
-            <a:ext cx="3676650" cy="676275"/>
+            <a:off x="476672" y="1089199"/>
+            <a:ext cx="4744722" cy="3168352"/>
           </a:xfrm>
           <a:prstGeom prst="rect">
             <a:avLst/>
           </a:prstGeom>
-        </p:spPr>
-      </p:pic>
-      <p:pic>
-        <p:nvPicPr>
-          <p:cNvPr id="2050" name="Picture 2"/>
-          <p:cNvPicPr>
-            <a:picLocks noChangeAspect="1" noChangeArrowheads="1"/>
-          </p:cNvPicPr>
-          <p:nvPr/>
-        </p:nvPicPr>
-        <p:blipFill>
-          <a:blip r:embed="rId4"/>
-          <a:srcRect/>
-          <a:stretch>
-            <a:fillRect/>
-          </a:stretch>
-        </p:blipFill>
-        <p:spPr bwMode="auto">
-          <a:xfrm>
-            <a:off x="381000" y="2952750"/>
-            <a:ext cx="3514725" cy="828675"/>
-          </a:xfrm>
-          <a:prstGeom prst="rect">
-            <a:avLst/>
-          </a:prstGeom>
-          <a:noFill/>
-          <a:ln w="9525">
-            <a:noFill/>
-            <a:miter lim="800000"/>
-            <a:headEnd/>
-            <a:tailEnd/>
-          </a:ln>
-          <a:effectLst/>
         </p:spPr>
       </p:pic>
     </p:spTree>
     <p:extLst>
       <p:ext uri="{BB962C8B-B14F-4D97-AF65-F5344CB8AC3E}">
-        <p14:creationId xmlns:p14="http://schemas.microsoft.com/office/powerpoint/2010/main" xmlns="" val="2461626464"/>
+        <p14:creationId xmlns:p14="http://schemas.microsoft.com/office/powerpoint/2010/main" val="3564685624"/>
       </p:ext>
     </p:extLst>
   </p:cSld>
@@ -5014,47 +4661,6 @@
       </p:grpSpPr>
       <p:sp>
         <p:nvSpPr>
-          <p:cNvPr id="6" name="TextBox 5"/>
-          <p:cNvSpPr txBox="1"/>
-          <p:nvPr/>
-        </p:nvSpPr>
-        <p:spPr>
-          <a:xfrm>
-            <a:off x="188640" y="627534"/>
-            <a:ext cx="6192688" cy="646331"/>
-          </a:xfrm>
-          <a:prstGeom prst="rect">
-            <a:avLst/>
-          </a:prstGeom>
-          <a:noFill/>
-        </p:spPr>
-        <p:txBody>
-          <a:bodyPr wrap="square" rtlCol="0">
-            <a:spAutoFit/>
-          </a:bodyPr>
-          <a:lstStyle/>
-          <a:p>
-            <a:pPr marL="342900" indent="-342900">
-              <a:buFont typeface="+mj-lt"/>
-              <a:buAutoNum type="arabicPeriod" startAt="6"/>
-            </a:pPr>
-            <a:r>
-              <a:rPr lang="en-US" dirty="0" smtClean="0"/>
-              <a:t>Create a new Jenkins Pipeline</a:t>
-            </a:r>
-            <a:endParaRPr lang="en-US" dirty="0"/>
-          </a:p>
-          <a:p>
-            <a:pPr marL="342900" indent="-342900">
-              <a:buFont typeface="+mj-lt"/>
-              <a:buAutoNum type="arabicPeriod" startAt="6"/>
-            </a:pPr>
-            <a:endParaRPr lang="en-US" dirty="0"/>
-          </a:p>
-        </p:txBody>
-      </p:sp>
-      <p:sp>
-        <p:nvSpPr>
           <p:cNvPr id="7" name="TextBox 6"/>
           <p:cNvSpPr txBox="1"/>
           <p:nvPr/>
@@ -5082,7 +4688,7 @@
                 </a:solidFill>
                 <a:latin typeface="Bookman Old Style" panose="02050604050505020204" pitchFamily="18" charset="0"/>
               </a:rPr>
-              <a:t>Steps</a:t>
+              <a:t>Software Configuration Management</a:t>
             </a:r>
             <a:endParaRPr lang="en-US" b="1" dirty="0">
               <a:solidFill>
@@ -5102,15 +4708,21 @@
           <p:nvPr/>
         </p:nvPicPr>
         <p:blipFill>
-          <a:blip r:embed="rId3"/>
+          <a:blip r:embed="rId3">
+            <a:extLst>
+              <a:ext uri="{28A0092B-C50C-407E-A947-70E740481C1C}">
+                <a14:useLocalDpi xmlns:a14="http://schemas.microsoft.com/office/drawing/2010/main" val="0"/>
+              </a:ext>
+            </a:extLst>
+          </a:blip>
           <a:stretch>
             <a:fillRect/>
           </a:stretch>
         </p:blipFill>
         <p:spPr>
           <a:xfrm>
-            <a:off x="559507" y="1059582"/>
-            <a:ext cx="5450954" cy="3576470"/>
+            <a:off x="0" y="756397"/>
+            <a:ext cx="6858000" cy="3630706"/>
           </a:xfrm>
           <a:prstGeom prst="rect">
             <a:avLst/>
@@ -5120,7 +4732,7 @@
     </p:spTree>
     <p:extLst>
       <p:ext uri="{BB962C8B-B14F-4D97-AF65-F5344CB8AC3E}">
-        <p14:creationId xmlns:p14="http://schemas.microsoft.com/office/powerpoint/2010/main" xmlns="" val="3233149560"/>
+        <p14:creationId xmlns:p14="http://schemas.microsoft.com/office/powerpoint/2010/main" val="2824032761"/>
       </p:ext>
     </p:extLst>
   </p:cSld>
@@ -5156,57 +4768,6 @@
       </p:grpSpPr>
       <p:sp>
         <p:nvSpPr>
-          <p:cNvPr id="6" name="TextBox 5"/>
-          <p:cNvSpPr txBox="1"/>
-          <p:nvPr/>
-        </p:nvSpPr>
-        <p:spPr>
-          <a:xfrm>
-            <a:off x="188640" y="627534"/>
-            <a:ext cx="6192688" cy="923330"/>
-          </a:xfrm>
-          <a:prstGeom prst="rect">
-            <a:avLst/>
-          </a:prstGeom>
-          <a:noFill/>
-        </p:spPr>
-        <p:txBody>
-          <a:bodyPr wrap="square" rtlCol="0">
-            <a:spAutoFit/>
-          </a:bodyPr>
-          <a:lstStyle/>
-          <a:p>
-            <a:pPr marL="342900" indent="-342900">
-              <a:buFont typeface="+mj-lt"/>
-              <a:buAutoNum type="arabicPeriod" startAt="7"/>
-            </a:pPr>
-            <a:r>
-              <a:rPr lang="en-US" dirty="0" smtClean="0"/>
-              <a:t>Verify your application</a:t>
-            </a:r>
-          </a:p>
-          <a:p>
-            <a:r>
-              <a:rPr lang="en-US" dirty="0"/>
-              <a:t>	</a:t>
-            </a:r>
-            <a:r>
-              <a:rPr lang="en-US" dirty="0" smtClean="0"/>
-              <a:t>http://your-ip-address/your-name</a:t>
-            </a:r>
-            <a:endParaRPr lang="en-US" dirty="0"/>
-          </a:p>
-          <a:p>
-            <a:pPr marL="342900" indent="-342900">
-              <a:buFont typeface="+mj-lt"/>
-              <a:buAutoNum type="arabicPeriod" startAt="5"/>
-            </a:pPr>
-            <a:endParaRPr lang="en-US" dirty="0"/>
-          </a:p>
-        </p:txBody>
-      </p:sp>
-      <p:sp>
-        <p:nvSpPr>
           <p:cNvPr id="7" name="TextBox 6"/>
           <p:cNvSpPr txBox="1"/>
           <p:nvPr/>
@@ -5234,7 +4795,7 @@
                 </a:solidFill>
                 <a:latin typeface="Bookman Old Style" panose="02050604050505020204" pitchFamily="18" charset="0"/>
               </a:rPr>
-              <a:t>Steps</a:t>
+              <a:t>Software Configuration Management…</a:t>
             </a:r>
             <a:endParaRPr lang="en-US" b="1" dirty="0">
               <a:solidFill>
@@ -5245,77 +4806,16 @@
           </a:p>
         </p:txBody>
       </p:sp>
-      <p:pic>
-        <p:nvPicPr>
-          <p:cNvPr id="3" name="Picture 2"/>
-          <p:cNvPicPr>
-            <a:picLocks noChangeAspect="1"/>
-          </p:cNvPicPr>
-          <p:nvPr/>
-        </p:nvPicPr>
-        <p:blipFill>
-          <a:blip r:embed="rId3"/>
-          <a:stretch>
-            <a:fillRect/>
-          </a:stretch>
-        </p:blipFill>
-        <p:spPr>
-          <a:xfrm>
-            <a:off x="476672" y="1419622"/>
-            <a:ext cx="4276725" cy="2609850"/>
-          </a:xfrm>
-          <a:prstGeom prst="rect">
-            <a:avLst/>
-          </a:prstGeom>
-        </p:spPr>
-      </p:pic>
-    </p:spTree>
-    <p:extLst>
-      <p:ext uri="{BB962C8B-B14F-4D97-AF65-F5344CB8AC3E}">
-        <p14:creationId xmlns:p14="http://schemas.microsoft.com/office/powerpoint/2010/main" xmlns="" val="1051775509"/>
-      </p:ext>
-    </p:extLst>
-  </p:cSld>
-  <p:clrMapOvr>
-    <a:masterClrMapping/>
-  </p:clrMapOvr>
-  <p:timing>
-    <p:tnLst>
-      <p:par>
-        <p:cTn id="1" dur="indefinite" restart="never" nodeType="tmRoot"/>
-      </p:par>
-    </p:tnLst>
-  </p:timing>
-</p:sld>
-</file>
-
-<file path=ppt/slides/slide17.xml><?xml version="1.0" encoding="utf-8"?>
-<p:sld xmlns:a="http://schemas.openxmlformats.org/drawingml/2006/main" xmlns:r="http://schemas.openxmlformats.org/officeDocument/2006/relationships" xmlns:p="http://schemas.openxmlformats.org/presentationml/2006/main">
-  <p:cSld>
-    <p:spTree>
-      <p:nvGrpSpPr>
-        <p:cNvPr id="1" name=""/>
-        <p:cNvGrpSpPr/>
-        <p:nvPr/>
-      </p:nvGrpSpPr>
-      <p:grpSpPr>
-        <a:xfrm>
-          <a:off x="0" y="0"/>
-          <a:ext cx="0" cy="0"/>
-          <a:chOff x="0" y="0"/>
-          <a:chExt cx="0" cy="0"/>
-        </a:xfrm>
-      </p:grpSpPr>
-      <p:sp>
-        <p:nvSpPr>
-          <p:cNvPr id="6" name="TextBox 5"/>
+      <p:sp>
+        <p:nvSpPr>
+          <p:cNvPr id="2" name="TextBox 1"/>
           <p:cNvSpPr txBox="1"/>
           <p:nvPr/>
         </p:nvSpPr>
         <p:spPr>
           <a:xfrm>
-            <a:off x="188640" y="627534"/>
-            <a:ext cx="6192688" cy="923330"/>
+            <a:off x="457200" y="819150"/>
+            <a:ext cx="5791200" cy="1569660"/>
           </a:xfrm>
           <a:prstGeom prst="rect">
             <a:avLst/>
@@ -5328,97 +4828,55 @@
           </a:bodyPr>
           <a:lstStyle/>
           <a:p>
-            <a:pPr marL="342900" indent="-342900">
-              <a:buFont typeface="+mj-lt"/>
-              <a:buAutoNum type="arabicPeriod" startAt="7"/>
+            <a:pPr marL="285750" indent="-285750">
+              <a:buFont typeface="Arial" panose="020B0604020202020204" pitchFamily="34" charset="0"/>
+              <a:buChar char="•"/>
             </a:pPr>
             <a:r>
-              <a:rPr lang="en-US" dirty="0" smtClean="0"/>
-              <a:t>Delete cloud formation stack</a:t>
-            </a:r>
-          </a:p>
-          <a:p>
-            <a:r>
-              <a:rPr lang="en-US" dirty="0"/>
-              <a:t>	</a:t>
-            </a:r>
-          </a:p>
-          <a:p>
-            <a:pPr marL="342900" indent="-342900">
-              <a:buFont typeface="+mj-lt"/>
-              <a:buAutoNum type="arabicPeriod" startAt="5"/>
+              <a:rPr lang="en-US" sz="2400" dirty="0" smtClean="0"/>
+              <a:t>Efficiency -&gt; Automation</a:t>
+            </a:r>
+            <a:endParaRPr lang="en-US" sz="2400" dirty="0"/>
+          </a:p>
+          <a:p>
+            <a:pPr marL="285750" indent="-285750">
+              <a:buFont typeface="Arial" panose="020B0604020202020204" pitchFamily="34" charset="0"/>
+              <a:buChar char="•"/>
             </a:pPr>
-            <a:endParaRPr lang="en-US" dirty="0"/>
-          </a:p>
-        </p:txBody>
-      </p:sp>
-      <p:sp>
-        <p:nvSpPr>
-          <p:cNvPr id="7" name="TextBox 6"/>
-          <p:cNvSpPr txBox="1"/>
-          <p:nvPr/>
-        </p:nvSpPr>
-        <p:spPr>
-          <a:xfrm>
-            <a:off x="332656" y="195486"/>
-            <a:ext cx="6192688" cy="369332"/>
-          </a:xfrm>
-          <a:prstGeom prst="rect">
-            <a:avLst/>
-          </a:prstGeom>
-          <a:noFill/>
-        </p:spPr>
-        <p:txBody>
-          <a:bodyPr wrap="square" rtlCol="0">
-            <a:spAutoFit/>
-          </a:bodyPr>
-          <a:lstStyle/>
-          <a:p>
-            <a:r>
-              <a:rPr lang="en-ID" b="1" dirty="0" smtClean="0">
-                <a:solidFill>
-                  <a:srgbClr val="392900"/>
-                </a:solidFill>
-                <a:latin typeface="Bookman Old Style" panose="02050604050505020204" pitchFamily="18" charset="0"/>
-              </a:rPr>
-              <a:t>Steps</a:t>
-            </a:r>
-            <a:endParaRPr lang="en-US" b="1" dirty="0">
-              <a:solidFill>
-                <a:srgbClr val="392900"/>
-              </a:solidFill>
-              <a:latin typeface="Bookman Old Style" panose="02050604050505020204" pitchFamily="18" charset="0"/>
-            </a:endParaRPr>
-          </a:p>
-        </p:txBody>
-      </p:sp>
-      <p:pic>
-        <p:nvPicPr>
-          <p:cNvPr id="2" name="Picture 1"/>
-          <p:cNvPicPr>
-            <a:picLocks noChangeAspect="1"/>
-          </p:cNvPicPr>
-          <p:nvPr/>
-        </p:nvPicPr>
-        <p:blipFill rotWithShape="1">
-          <a:blip r:embed="rId3"/>
-          <a:srcRect t="7004" r="65408" b="56038"/>
-          <a:stretch/>
-        </p:blipFill>
-        <p:spPr>
-          <a:xfrm>
-            <a:off x="476672" y="1089199"/>
-            <a:ext cx="4744722" cy="3168352"/>
-          </a:xfrm>
-          <a:prstGeom prst="rect">
-            <a:avLst/>
-          </a:prstGeom>
-        </p:spPr>
-      </p:pic>
+            <a:r>
+              <a:rPr lang="en-US" sz="2400" dirty="0" smtClean="0"/>
+              <a:t>Reproducibility -&gt; Source Code</a:t>
+            </a:r>
+            <a:endParaRPr lang="en-US" sz="2400" dirty="0"/>
+          </a:p>
+          <a:p>
+            <a:pPr marL="285750" indent="-285750">
+              <a:buFont typeface="Arial" panose="020B0604020202020204" pitchFamily="34" charset="0"/>
+              <a:buChar char="•"/>
+            </a:pPr>
+            <a:r>
+              <a:rPr lang="en-US" sz="2400" dirty="0" smtClean="0"/>
+              <a:t>Traceability -&gt; Versioned</a:t>
+            </a:r>
+            <a:endParaRPr lang="en-US" sz="2400" dirty="0"/>
+          </a:p>
+          <a:p>
+            <a:pPr marL="285750" indent="-285750">
+              <a:buFont typeface="Arial" panose="020B0604020202020204" pitchFamily="34" charset="0"/>
+              <a:buChar char="•"/>
+            </a:pPr>
+            <a:r>
+              <a:rPr lang="en-US" sz="2400" dirty="0" smtClean="0"/>
+              <a:t>Controls -&gt; Reviewed, Approved</a:t>
+            </a:r>
+            <a:endParaRPr lang="en-US" sz="2400" dirty="0"/>
+          </a:p>
+        </p:txBody>
+      </p:sp>
     </p:spTree>
     <p:extLst>
       <p:ext uri="{BB962C8B-B14F-4D97-AF65-F5344CB8AC3E}">
-        <p14:creationId xmlns:p14="http://schemas.microsoft.com/office/powerpoint/2010/main" xmlns="" val="3564685624"/>
+        <p14:creationId xmlns:p14="http://schemas.microsoft.com/office/powerpoint/2010/main" val="2906798984"/>
       </p:ext>
     </p:extLst>
   </p:cSld>
@@ -5537,7 +4995,7 @@
     </p:spTree>
     <p:extLst>
       <p:ext uri="{BB962C8B-B14F-4D97-AF65-F5344CB8AC3E}">
-        <p14:creationId xmlns:p14="http://schemas.microsoft.com/office/powerpoint/2010/main" xmlns="" val="3303078014"/>
+        <p14:creationId xmlns:p14="http://schemas.microsoft.com/office/powerpoint/2010/main" val="3303078014"/>
       </p:ext>
     </p:extLst>
   </p:cSld>
@@ -5600,8 +5058,8 @@
             <a:r>
               <a:rPr lang="en-ID" dirty="0" smtClean="0">
                 <a:solidFill>
-                  <a:schemeClr val="accent4">
-                    <a:lumMod val="75000"/>
+                  <a:schemeClr val="accent1">
+                    <a:lumMod val="50000"/>
                   </a:schemeClr>
                 </a:solidFill>
               </a:rPr>
@@ -5616,8 +5074,8 @@
             <a:r>
               <a:rPr lang="en-ID" dirty="0" smtClean="0">
                 <a:solidFill>
-                  <a:schemeClr val="accent4">
-                    <a:lumMod val="75000"/>
+                  <a:schemeClr val="accent1">
+                    <a:lumMod val="50000"/>
                   </a:schemeClr>
                 </a:solidFill>
               </a:rPr>
@@ -5632,8 +5090,8 @@
             <a:r>
               <a:rPr lang="en-ID" dirty="0" err="1" smtClean="0">
                 <a:solidFill>
-                  <a:schemeClr val="accent4">
-                    <a:lumMod val="75000"/>
+                  <a:schemeClr val="accent1">
+                    <a:lumMod val="50000"/>
                   </a:schemeClr>
                 </a:solidFill>
               </a:rPr>
@@ -5642,8 +5100,8 @@
             <a:r>
               <a:rPr lang="en-ID" dirty="0" smtClean="0">
                 <a:solidFill>
-                  <a:schemeClr val="accent4">
-                    <a:lumMod val="75000"/>
+                  <a:schemeClr val="accent1">
+                    <a:lumMod val="50000"/>
                   </a:schemeClr>
                 </a:solidFill>
               </a:rPr>
@@ -5658,8 +5116,8 @@
             <a:r>
               <a:rPr lang="en-ID" dirty="0" smtClean="0">
                 <a:solidFill>
-                  <a:schemeClr val="accent4">
-                    <a:lumMod val="75000"/>
+                  <a:schemeClr val="accent1">
+                    <a:lumMod val="50000"/>
                   </a:schemeClr>
                 </a:solidFill>
               </a:rPr>
@@ -5674,8 +5132,8 @@
             <a:r>
               <a:rPr lang="en-ID" dirty="0" smtClean="0">
                 <a:solidFill>
-                  <a:schemeClr val="accent3">
-                    <a:lumMod val="75000"/>
+                  <a:schemeClr val="accent1">
+                    <a:lumMod val="50000"/>
                   </a:schemeClr>
                 </a:solidFill>
               </a:rPr>
@@ -5690,8 +5148,8 @@
             <a:r>
               <a:rPr lang="en-ID" dirty="0">
                 <a:solidFill>
-                  <a:schemeClr val="accent3">
-                    <a:lumMod val="75000"/>
+                  <a:schemeClr val="accent1">
+                    <a:lumMod val="50000"/>
                   </a:schemeClr>
                 </a:solidFill>
               </a:rPr>
@@ -5700,8 +5158,8 @@
             <a:r>
               <a:rPr lang="en-ID" dirty="0" smtClean="0">
                 <a:solidFill>
-                  <a:schemeClr val="accent3">
-                    <a:lumMod val="75000"/>
+                  <a:schemeClr val="accent1">
+                    <a:lumMod val="50000"/>
                   </a:schemeClr>
                 </a:solidFill>
               </a:rPr>
@@ -5709,8 +5167,8 @@
             </a:r>
             <a:endParaRPr lang="en-ID" dirty="0">
               <a:solidFill>
-                <a:schemeClr val="accent3">
-                  <a:lumMod val="75000"/>
+                <a:schemeClr val="accent1">
+                  <a:lumMod val="50000"/>
                 </a:schemeClr>
               </a:solidFill>
             </a:endParaRPr>
@@ -5723,8 +5181,8 @@
             <a:r>
               <a:rPr lang="en-ID" dirty="0">
                 <a:solidFill>
-                  <a:schemeClr val="accent3">
-                    <a:lumMod val="75000"/>
+                  <a:schemeClr val="accent1">
+                    <a:lumMod val="50000"/>
                   </a:schemeClr>
                 </a:solidFill>
               </a:rPr>
@@ -5732,8 +5190,8 @@
             </a:r>
             <a:endParaRPr lang="en-ID" dirty="0" smtClean="0">
               <a:solidFill>
-                <a:schemeClr val="accent3">
-                  <a:lumMod val="75000"/>
+                <a:schemeClr val="accent1">
+                  <a:lumMod val="50000"/>
                 </a:schemeClr>
               </a:solidFill>
             </a:endParaRPr>
@@ -5745,14 +5203,20 @@
             </a:pPr>
             <a:endParaRPr lang="en-ID" dirty="0" smtClean="0">
               <a:solidFill>
-                <a:schemeClr val="accent3">
-                  <a:lumMod val="75000"/>
+                <a:schemeClr val="accent1">
+                  <a:lumMod val="50000"/>
                 </a:schemeClr>
               </a:solidFill>
             </a:endParaRPr>
           </a:p>
           <a:p>
-            <a:endParaRPr lang="en-US" dirty="0"/>
+            <a:endParaRPr lang="en-US" dirty="0">
+              <a:solidFill>
+                <a:schemeClr val="accent1">
+                  <a:lumMod val="50000"/>
+                </a:schemeClr>
+              </a:solidFill>
+            </a:endParaRPr>
           </a:p>
         </p:txBody>
       </p:sp>
@@ -5798,102 +5262,14 @@
       </p:sp>
       <p:sp>
         <p:nvSpPr>
-          <p:cNvPr id="8" name="Rectangle 7"/>
-          <p:cNvSpPr/>
-          <p:nvPr/>
-        </p:nvSpPr>
-        <p:spPr>
-          <a:xfrm>
-            <a:off x="3836432" y="3281502"/>
-            <a:ext cx="216024" cy="216024"/>
-          </a:xfrm>
-          <a:prstGeom prst="rect">
-            <a:avLst/>
-          </a:prstGeom>
-          <a:solidFill>
-            <a:srgbClr val="7030A0"/>
-          </a:solidFill>
-        </p:spPr>
-        <p:style>
-          <a:lnRef idx="2">
-            <a:schemeClr val="accent1">
-              <a:shade val="50000"/>
-            </a:schemeClr>
-          </a:lnRef>
-          <a:fillRef idx="1">
-            <a:schemeClr val="accent1"/>
-          </a:fillRef>
-          <a:effectRef idx="0">
-            <a:schemeClr val="accent1"/>
-          </a:effectRef>
-          <a:fontRef idx="minor">
-            <a:schemeClr val="lt1"/>
-          </a:fontRef>
-        </p:style>
-        <p:txBody>
-          <a:bodyPr rtlCol="0" anchor="ctr"/>
-          <a:lstStyle/>
-          <a:p>
-            <a:pPr algn="ctr"/>
-            <a:endParaRPr lang="en-US"/>
-          </a:p>
-        </p:txBody>
-      </p:sp>
-      <p:sp>
-        <p:nvSpPr>
-          <p:cNvPr id="9" name="Rectangle 8"/>
-          <p:cNvSpPr/>
-          <p:nvPr/>
-        </p:nvSpPr>
-        <p:spPr>
-          <a:xfrm>
-            <a:off x="3846913" y="3641542"/>
-            <a:ext cx="216024" cy="216024"/>
-          </a:xfrm>
-          <a:prstGeom prst="rect">
-            <a:avLst/>
-          </a:prstGeom>
-          <a:solidFill>
-            <a:schemeClr val="accent3">
-              <a:lumMod val="75000"/>
-            </a:schemeClr>
-          </a:solidFill>
-        </p:spPr>
-        <p:style>
-          <a:lnRef idx="2">
-            <a:schemeClr val="accent1">
-              <a:shade val="50000"/>
-            </a:schemeClr>
-          </a:lnRef>
-          <a:fillRef idx="1">
-            <a:schemeClr val="accent1"/>
-          </a:fillRef>
-          <a:effectRef idx="0">
-            <a:schemeClr val="accent1"/>
-          </a:effectRef>
-          <a:fontRef idx="minor">
-            <a:schemeClr val="lt1"/>
-          </a:fontRef>
-        </p:style>
-        <p:txBody>
-          <a:bodyPr rtlCol="0" anchor="ctr"/>
-          <a:lstStyle/>
-          <a:p>
-            <a:pPr algn="ctr"/>
-            <a:endParaRPr lang="en-US"/>
-          </a:p>
-        </p:txBody>
-      </p:sp>
-      <p:sp>
-        <p:nvSpPr>
-          <p:cNvPr id="10" name="TextBox 9"/>
+          <p:cNvPr id="12" name="TextBox 11"/>
           <p:cNvSpPr txBox="1"/>
           <p:nvPr/>
         </p:nvSpPr>
         <p:spPr>
           <a:xfrm>
-            <a:off x="4077072" y="3204848"/>
-            <a:ext cx="1650324" cy="369332"/>
+            <a:off x="322175" y="4198028"/>
+            <a:ext cx="5230919" cy="461665"/>
           </a:xfrm>
           <a:prstGeom prst="rect">
             <a:avLst/>
@@ -5907,66 +5283,6 @@
           <a:lstStyle/>
           <a:p>
             <a:r>
-              <a:rPr lang="en-US" dirty="0" smtClean="0"/>
-              <a:t>Done by trainer</a:t>
-            </a:r>
-            <a:endParaRPr lang="en-US" dirty="0"/>
-          </a:p>
-        </p:txBody>
-      </p:sp>
-      <p:sp>
-        <p:nvSpPr>
-          <p:cNvPr id="11" name="TextBox 10"/>
-          <p:cNvSpPr txBox="1"/>
-          <p:nvPr/>
-        </p:nvSpPr>
-        <p:spPr>
-          <a:xfrm>
-            <a:off x="4087553" y="3574180"/>
-            <a:ext cx="2039276" cy="369332"/>
-          </a:xfrm>
-          <a:prstGeom prst="rect">
-            <a:avLst/>
-          </a:prstGeom>
-          <a:noFill/>
-        </p:spPr>
-        <p:txBody>
-          <a:bodyPr wrap="none" rtlCol="0">
-            <a:spAutoFit/>
-          </a:bodyPr>
-          <a:lstStyle/>
-          <a:p>
-            <a:r>
-              <a:rPr lang="en-US" dirty="0" smtClean="0"/>
-              <a:t>Done by participant</a:t>
-            </a:r>
-            <a:endParaRPr lang="en-US" dirty="0"/>
-          </a:p>
-        </p:txBody>
-      </p:sp>
-      <p:sp>
-        <p:nvSpPr>
-          <p:cNvPr id="12" name="TextBox 11"/>
-          <p:cNvSpPr txBox="1"/>
-          <p:nvPr/>
-        </p:nvSpPr>
-        <p:spPr>
-          <a:xfrm>
-            <a:off x="322175" y="4198028"/>
-            <a:ext cx="5230919" cy="461665"/>
-          </a:xfrm>
-          <a:prstGeom prst="rect">
-            <a:avLst/>
-          </a:prstGeom>
-          <a:noFill/>
-        </p:spPr>
-        <p:txBody>
-          <a:bodyPr wrap="none" rtlCol="0">
-            <a:spAutoFit/>
-          </a:bodyPr>
-          <a:lstStyle/>
-          <a:p>
-            <a:r>
               <a:rPr lang="en-US" sz="1200" dirty="0" smtClean="0">
                 <a:hlinkClick r:id="rId2"/>
               </a:rPr>
@@ -5998,7 +5314,7 @@
     </p:spTree>
     <p:extLst>
       <p:ext uri="{BB962C8B-B14F-4D97-AF65-F5344CB8AC3E}">
-        <p14:creationId xmlns:p14="http://schemas.microsoft.com/office/powerpoint/2010/main" xmlns="" val="4237369197"/>
+        <p14:creationId xmlns:p14="http://schemas.microsoft.com/office/powerpoint/2010/main" val="4237369197"/>
       </p:ext>
     </p:extLst>
   </p:cSld>
@@ -6218,7 +5534,7 @@
           <a:blip r:embed="rId3">
             <a:extLst>
               <a:ext uri="{28A0092B-C50C-407E-A947-70E740481C1C}">
-                <a14:useLocalDpi xmlns:a14="http://schemas.microsoft.com/office/drawing/2010/main" xmlns="" val="0"/>
+                <a14:useLocalDpi xmlns:a14="http://schemas.microsoft.com/office/drawing/2010/main" val="0"/>
               </a:ext>
             </a:extLst>
           </a:blip>
@@ -6239,7 +5555,7 @@
     </p:spTree>
     <p:extLst>
       <p:ext uri="{BB962C8B-B14F-4D97-AF65-F5344CB8AC3E}">
-        <p14:creationId xmlns:p14="http://schemas.microsoft.com/office/powerpoint/2010/main" xmlns="" val="408888147"/>
+        <p14:creationId xmlns:p14="http://schemas.microsoft.com/office/powerpoint/2010/main" val="408888147"/>
       </p:ext>
     </p:extLst>
   </p:cSld>
@@ -6619,7 +5935,7 @@
     </p:spTree>
     <p:extLst>
       <p:ext uri="{BB962C8B-B14F-4D97-AF65-F5344CB8AC3E}">
-        <p14:creationId xmlns:p14="http://schemas.microsoft.com/office/powerpoint/2010/main" xmlns="" val="3322698733"/>
+        <p14:creationId xmlns:p14="http://schemas.microsoft.com/office/powerpoint/2010/main" val="3322698733"/>
       </p:ext>
     </p:extLst>
   </p:cSld>
@@ -6789,7 +6105,7 @@
     </p:spTree>
     <p:extLst>
       <p:ext uri="{BB962C8B-B14F-4D97-AF65-F5344CB8AC3E}">
-        <p14:creationId xmlns:p14="http://schemas.microsoft.com/office/powerpoint/2010/main" xmlns="" val="2177502961"/>
+        <p14:creationId xmlns:p14="http://schemas.microsoft.com/office/powerpoint/2010/main" val="2177502961"/>
       </p:ext>
     </p:extLst>
   </p:cSld>
@@ -6835,7 +6151,7 @@
           <a:blip r:embed="rId2">
             <a:extLst>
               <a:ext uri="{28A0092B-C50C-407E-A947-70E740481C1C}">
-                <a14:useLocalDpi xmlns:a14="http://schemas.microsoft.com/office/drawing/2010/main" xmlns="" val="0"/>
+                <a14:useLocalDpi xmlns:a14="http://schemas.microsoft.com/office/drawing/2010/main" val="0"/>
               </a:ext>
             </a:extLst>
           </a:blip>
@@ -6985,13 +6301,20 @@
     </p:spTree>
     <p:extLst>
       <p:ext uri="{BB962C8B-B14F-4D97-AF65-F5344CB8AC3E}">
-        <p14:creationId xmlns:p14="http://schemas.microsoft.com/office/powerpoint/2010/main" xmlns="" val="66156416"/>
+        <p14:creationId xmlns:p14="http://schemas.microsoft.com/office/powerpoint/2010/main" val="66156416"/>
       </p:ext>
     </p:extLst>
   </p:cSld>
   <p:clrMapOvr>
     <a:masterClrMapping/>
   </p:clrMapOvr>
+  <p:timing>
+    <p:tnLst>
+      <p:par>
+        <p:cTn id="1" dur="indefinite" restart="never" nodeType="tmRoot"/>
+      </p:par>
+    </p:tnLst>
+  </p:timing>
 </p:sld>
 </file>
 
@@ -7099,7 +6422,7 @@
     </p:spTree>
     <p:extLst>
       <p:ext uri="{BB962C8B-B14F-4D97-AF65-F5344CB8AC3E}">
-        <p14:creationId xmlns:p14="http://schemas.microsoft.com/office/powerpoint/2010/main" xmlns="" val="3262035622"/>
+        <p14:creationId xmlns:p14="http://schemas.microsoft.com/office/powerpoint/2010/main" val="3262035622"/>
       </p:ext>
     </p:extLst>
   </p:cSld>
@@ -7249,13 +6572,20 @@
     </p:spTree>
     <p:extLst>
       <p:ext uri="{BB962C8B-B14F-4D97-AF65-F5344CB8AC3E}">
-        <p14:creationId xmlns:p14="http://schemas.microsoft.com/office/powerpoint/2010/main" xmlns="" val="4252462052"/>
+        <p14:creationId xmlns:p14="http://schemas.microsoft.com/office/powerpoint/2010/main" val="4252462052"/>
       </p:ext>
     </p:extLst>
   </p:cSld>
   <p:clrMapOvr>
     <a:masterClrMapping/>
   </p:clrMapOvr>
+  <p:timing>
+    <p:tnLst>
+      <p:par>
+        <p:cTn id="1" dur="indefinite" restart="never" nodeType="tmRoot"/>
+      </p:par>
+    </p:tnLst>
+  </p:timing>
 </p:sld>
 </file>
 
@@ -7524,7 +6854,7 @@
   <a:extraClrSchemeLst/>
   <a:extLst>
     <a:ext uri="{05A4C25C-085E-4340-85A3-A5531E510DB2}">
-      <thm15:themeFamily xmlns:thm15="http://schemas.microsoft.com/office/thememl/2012/main" xmlns="" name="Mitrais Slide.potx [Read-Only]" id="{98D9CAF6-E22D-46A6-B712-8B50D6FD3492}" vid="{D3B5A969-D334-4BCA-B970-2DC81ADBEF94}"/>
+      <thm15:themeFamily xmlns:thm15="http://schemas.microsoft.com/office/thememl/2012/main" name="Mitrais Slide.potx [Read-Only]" id="{98D9CAF6-E22D-46A6-B712-8B50D6FD3492}" vid="{D3B5A969-D334-4BCA-B970-2DC81ADBEF94}"/>
     </a:ext>
   </a:extLst>
 </a:theme>
@@ -7785,22 +7115,13 @@
   <a:extraClrSchemeLst/>
   <a:extLst>
     <a:ext uri="{05A4C25C-085E-4340-85A3-A5531E510DB2}">
-      <thm15:themeFamily xmlns:thm15="http://schemas.microsoft.com/office/thememl/2012/main" xmlns="" name="Office Theme" id="{62F939B6-93AF-4DB8-9C6B-D6C7DFDC589F}" vid="{4A3C46E8-61CC-4603-A589-7422A47A8E4A}"/>
+      <thm15:themeFamily xmlns:thm15="http://schemas.microsoft.com/office/thememl/2012/main" name="Office Theme" id="{62F939B6-93AF-4DB8-9C6B-D6C7DFDC589F}" vid="{4A3C46E8-61CC-4603-A589-7422A47A8E4A}"/>
     </a:ext>
   </a:extLst>
 </a:theme>
 </file>
 
 <file path=customXml/item1.xml><?xml version="1.0" encoding="utf-8"?>
-<?mso-contentType ?>
-<FormTemplates xmlns="http://schemas.microsoft.com/sharepoint/v3/contenttype/forms">
-  <Display>DocumentLibraryForm</Display>
-  <Edit>DocumentLibraryForm</Edit>
-  <New>DocumentLibraryForm</New>
-</FormTemplates>
-</file>
-
-<file path=customXml/item2.xml><?xml version="1.0" encoding="utf-8"?>
 <ct:contentTypeSchema xmlns:ct="http://schemas.microsoft.com/office/2006/metadata/contentType" xmlns:ma="http://schemas.microsoft.com/office/2006/metadata/properties/metaAttributes" ct:_="" ma:_="" ma:contentTypeName="Document" ma:contentTypeID="0x0101003684E481DE84C9499EF0F81972D7EF96" ma:contentTypeVersion="0" ma:contentTypeDescription="Create a new document." ma:contentTypeScope="" ma:versionID="1082b6f87e9a9efb3f4dd16ca55e9303">
   <xsd:schema xmlns:xsd="http://www.w3.org/2001/XMLSchema" xmlns:xs="http://www.w3.org/2001/XMLSchema" xmlns:p="http://schemas.microsoft.com/office/2006/metadata/properties" targetNamespace="http://schemas.microsoft.com/office/2006/metadata/properties" ma:root="true" ma:fieldsID="1b05d82d297216baf5b26c55225140df">
     <xsd:element name="properties">
@@ -7914,6 +7235,15 @@
 </ct:contentTypeSchema>
 </file>
 
+<file path=customXml/item2.xml><?xml version="1.0" encoding="utf-8"?>
+<?mso-contentType ?>
+<FormTemplates xmlns="http://schemas.microsoft.com/sharepoint/v3/contenttype/forms">
+  <Display>DocumentLibraryForm</Display>
+  <Edit>DocumentLibraryForm</Edit>
+  <New>DocumentLibraryForm</New>
+</FormTemplates>
+</file>
+
 <file path=customXml/item3.xml><?xml version="1.0" encoding="utf-8"?>
 <p:properties xmlns:p="http://schemas.microsoft.com/office/2006/metadata/properties" xmlns:xsi="http://www.w3.org/2001/XMLSchema-instance" xmlns:pc="http://schemas.microsoft.com/office/infopath/2007/PartnerControls">
   <documentManagement/>
@@ -7921,14 +7251,6 @@
 </file>
 
 <file path=customXml/itemProps1.xml><?xml version="1.0" encoding="utf-8"?>
-<ds:datastoreItem xmlns:ds="http://schemas.openxmlformats.org/officeDocument/2006/customXml" ds:itemID="{DB5E681D-860B-4D22-80CF-C7472F8C312F}">
-  <ds:schemaRefs>
-    <ds:schemaRef ds:uri="http://schemas.microsoft.com/sharepoint/v3/contenttype/forms"/>
-  </ds:schemaRefs>
-</ds:datastoreItem>
-</file>
-
-<file path=customXml/itemProps2.xml><?xml version="1.0" encoding="utf-8"?>
 <ds:datastoreItem xmlns:ds="http://schemas.openxmlformats.org/officeDocument/2006/customXml" ds:itemID="{6B82694F-752F-4827-A348-4AA5A968F420}">
   <ds:schemaRefs>
     <ds:schemaRef ds:uri="http://schemas.microsoft.com/office/2006/metadata/contentType"/>
@@ -7940,6 +7262,14 @@
     <ds:schemaRef ds:uri="http://purl.org/dc/terms/"/>
     <ds:schemaRef ds:uri="http://schemas.microsoft.com/internal/obd"/>
     <ds:schemaRef ds:uri="http://schemas.microsoft.com/office/infopath/2007/PartnerControls"/>
+  </ds:schemaRefs>
+</ds:datastoreItem>
+</file>
+
+<file path=customXml/itemProps2.xml><?xml version="1.0" encoding="utf-8"?>
+<ds:datastoreItem xmlns:ds="http://schemas.openxmlformats.org/officeDocument/2006/customXml" ds:itemID="{DB5E681D-860B-4D22-80CF-C7472F8C312F}">
+  <ds:schemaRefs>
+    <ds:schemaRef ds:uri="http://schemas.microsoft.com/sharepoint/v3/contenttype/forms"/>
   </ds:schemaRefs>
 </ds:datastoreItem>
 </file>
